--- a/Edited Chapter 1-3 PowerPoint_Alegrid_Belbis_Dael.pptx
+++ b/Edited Chapter 1-3 PowerPoint_Alegrid_Belbis_Dael.pptx
@@ -7353,15 +7353,15 @@
           <a:p>
             <a:r>
               <a:rPr lang="en-PH" dirty="0"/>
-              <a:t>Most customers doesn’t need to go out of their way to go to </a:t>
-            </a:r>
-            <a:r>
-              <a:rPr lang="en-PH" dirty="0" err="1"/>
-              <a:t>divisoria</a:t>
+              <a:t>Most customers doesn’t need to go out of their way to go </a:t>
+            </a:r>
+            <a:r>
+              <a:rPr lang="en-PH"/>
+              <a:t>to stores </a:t>
             </a:r>
             <a:r>
               <a:rPr lang="en-PH" dirty="0"/>
-              <a:t> or malls even to buy products they want, most of them just check mobile app for price and reviews on the product they want and order online.</a:t>
+              <a:t>or malls even to buy products they want, most of them just check mobile app for price and reviews on the product they want and order online.</a:t>
             </a:r>
           </a:p>
           <a:p>
